--- a/cmd.pptx
+++ b/cmd.pptx
@@ -7,6 +7,12 @@
   <p:sldIdLst>
     <p:sldId id="256" r:id="rId2"/>
     <p:sldId id="257" r:id="rId3"/>
+    <p:sldId id="258" r:id="rId4"/>
+    <p:sldId id="259" r:id="rId5"/>
+    <p:sldId id="260" r:id="rId6"/>
+    <p:sldId id="261" r:id="rId7"/>
+    <p:sldId id="262" r:id="rId8"/>
+    <p:sldId id="263" r:id="rId9"/>
   </p:sldIdLst>
   <p:sldSz cx="12192000" cy="6858000"/>
   <p:notesSz cx="6858000" cy="9144000"/>
@@ -3222,6 +3228,1230 @@
 </p:sld>
 </file>
 
+<file path=ppt/slides/slide3.xml><?xml version="1.0" encoding="utf-8"?>
+<p:sld xmlns:a="http://schemas.openxmlformats.org/drawingml/2006/main" xmlns:r="http://schemas.openxmlformats.org/officeDocument/2006/relationships" xmlns:p="http://schemas.openxmlformats.org/presentationml/2006/main">
+  <p:cSld>
+    <p:spTree>
+      <p:nvGrpSpPr>
+        <p:cNvPr id="1" name=""/>
+        <p:cNvGrpSpPr/>
+        <p:nvPr/>
+      </p:nvGrpSpPr>
+      <p:grpSpPr>
+        <a:xfrm>
+          <a:off x="0" y="0"/>
+          <a:ext cx="0" cy="0"/>
+          <a:chOff x="0" y="0"/>
+          <a:chExt cx="0" cy="0"/>
+        </a:xfrm>
+      </p:grpSpPr>
+      <p:sp>
+        <p:nvSpPr>
+          <p:cNvPr id="2" name="Title 1"/>
+          <p:cNvSpPr>
+            <a:spLocks noGrp="1"/>
+          </p:cNvSpPr>
+          <p:nvPr>
+            <p:ph type="title"/>
+          </p:nvPr>
+        </p:nvSpPr>
+        <p:spPr/>
+        <p:txBody>
+          <a:bodyPr/>
+          <a:lstStyle/>
+          <a:p>
+            <a:endParaRPr lang="en-US"/>
+          </a:p>
+        </p:txBody>
+      </p:sp>
+      <p:sp>
+        <p:nvSpPr>
+          <p:cNvPr id="3" name="Content Placeholder 2"/>
+          <p:cNvSpPr>
+            <a:spLocks noGrp="1"/>
+          </p:cNvSpPr>
+          <p:nvPr>
+            <p:ph idx="1"/>
+          </p:nvPr>
+        </p:nvSpPr>
+        <p:spPr/>
+        <p:txBody>
+          <a:bodyPr/>
+          <a:lstStyle/>
+          <a:p>
+            <a:r>
+              <a:rPr lang="en-US" dirty="0" smtClean="0"/>
+              <a:t>python </a:t>
+            </a:r>
+            <a:r>
+              <a:rPr lang="en-US" dirty="0"/>
+              <a:t>manage.py </a:t>
+            </a:r>
+            <a:r>
+              <a:rPr lang="en-US" dirty="0" err="1" smtClean="0"/>
+              <a:t>makemigrations</a:t>
+            </a:r>
+            <a:endParaRPr lang="en-US" dirty="0" smtClean="0"/>
+          </a:p>
+          <a:p>
+            <a:r>
+              <a:rPr lang="en-US" dirty="0"/>
+              <a:t>python manage.py </a:t>
+            </a:r>
+            <a:r>
+              <a:rPr lang="en-US" dirty="0" smtClean="0"/>
+              <a:t>migrate</a:t>
+            </a:r>
+          </a:p>
+          <a:p>
+            <a:r>
+              <a:rPr lang="en-US" dirty="0"/>
+              <a:t>python manage.py </a:t>
+            </a:r>
+            <a:r>
+              <a:rPr lang="en-US" dirty="0" smtClean="0"/>
+              <a:t>shell</a:t>
+            </a:r>
+          </a:p>
+          <a:p>
+            <a:r>
+              <a:rPr lang="en-US" dirty="0"/>
+              <a:t>&gt;&gt;&gt; from </a:t>
+            </a:r>
+            <a:r>
+              <a:rPr lang="en-US" dirty="0" err="1"/>
+              <a:t>flights.models</a:t>
+            </a:r>
+            <a:r>
+              <a:rPr lang="en-US" dirty="0"/>
+              <a:t> import </a:t>
+            </a:r>
+            <a:r>
+              <a:rPr lang="en-US" dirty="0" smtClean="0"/>
+              <a:t>*</a:t>
+            </a:r>
+          </a:p>
+          <a:p>
+            <a:endParaRPr lang="en-US" dirty="0"/>
+          </a:p>
+          <a:p>
+            <a:endParaRPr lang="en-US" dirty="0"/>
+          </a:p>
+          <a:p>
+            <a:endParaRPr lang="en-US" dirty="0"/>
+          </a:p>
+        </p:txBody>
+      </p:sp>
+    </p:spTree>
+    <p:extLst>
+      <p:ext uri="{BB962C8B-B14F-4D97-AF65-F5344CB8AC3E}">
+        <p14:creationId xmlns:p14="http://schemas.microsoft.com/office/powerpoint/2010/main" val="1777849467"/>
+      </p:ext>
+    </p:extLst>
+  </p:cSld>
+  <p:clrMapOvr>
+    <a:masterClrMapping/>
+  </p:clrMapOvr>
+</p:sld>
+</file>
+
+<file path=ppt/slides/slide4.xml><?xml version="1.0" encoding="utf-8"?>
+<p:sld xmlns:a="http://schemas.openxmlformats.org/drawingml/2006/main" xmlns:r="http://schemas.openxmlformats.org/officeDocument/2006/relationships" xmlns:p="http://schemas.openxmlformats.org/presentationml/2006/main">
+  <p:cSld>
+    <p:spTree>
+      <p:nvGrpSpPr>
+        <p:cNvPr id="1" name=""/>
+        <p:cNvGrpSpPr/>
+        <p:nvPr/>
+      </p:nvGrpSpPr>
+      <p:grpSpPr>
+        <a:xfrm>
+          <a:off x="0" y="0"/>
+          <a:ext cx="0" cy="0"/>
+          <a:chOff x="0" y="0"/>
+          <a:chExt cx="0" cy="0"/>
+        </a:xfrm>
+      </p:grpSpPr>
+      <p:sp>
+        <p:nvSpPr>
+          <p:cNvPr id="2" name="Title 1"/>
+          <p:cNvSpPr>
+            <a:spLocks noGrp="1"/>
+          </p:cNvSpPr>
+          <p:nvPr>
+            <p:ph type="title"/>
+          </p:nvPr>
+        </p:nvSpPr>
+        <p:spPr/>
+        <p:txBody>
+          <a:bodyPr/>
+          <a:lstStyle/>
+          <a:p>
+            <a:endParaRPr lang="en-US"/>
+          </a:p>
+        </p:txBody>
+      </p:sp>
+      <p:sp>
+        <p:nvSpPr>
+          <p:cNvPr id="3" name="Content Placeholder 2"/>
+          <p:cNvSpPr>
+            <a:spLocks noGrp="1"/>
+          </p:cNvSpPr>
+          <p:nvPr>
+            <p:ph idx="1"/>
+          </p:nvPr>
+        </p:nvSpPr>
+        <p:spPr/>
+        <p:txBody>
+          <a:bodyPr>
+            <a:normAutofit fontScale="32500" lnSpcReduction="20000"/>
+          </a:bodyPr>
+          <a:lstStyle/>
+          <a:p>
+            <a:r>
+              <a:rPr lang="en-US" dirty="0"/>
+              <a:t>&gt;&gt;&gt; from </a:t>
+            </a:r>
+            <a:r>
+              <a:rPr lang="en-US" dirty="0" err="1"/>
+              <a:t>flights.models</a:t>
+            </a:r>
+            <a:r>
+              <a:rPr lang="en-US" dirty="0"/>
+              <a:t> import *</a:t>
+            </a:r>
+          </a:p>
+          <a:p>
+            <a:r>
+              <a:rPr lang="en-US" dirty="0"/>
+              <a:t>&gt;&gt;&gt; </a:t>
+            </a:r>
+            <a:r>
+              <a:rPr lang="en-US" dirty="0" err="1"/>
+              <a:t>jfk</a:t>
+            </a:r>
+            <a:r>
+              <a:rPr lang="en-US" dirty="0"/>
+              <a:t>=Airport(code="JFK", city= "New York")</a:t>
+            </a:r>
+          </a:p>
+          <a:p>
+            <a:r>
+              <a:rPr lang="en-US" dirty="0"/>
+              <a:t>&gt;&gt;&gt; </a:t>
+            </a:r>
+            <a:r>
+              <a:rPr lang="en-US" dirty="0" err="1"/>
+              <a:t>jfk.save</a:t>
+            </a:r>
+            <a:r>
+              <a:rPr lang="en-US" dirty="0"/>
+              <a:t>()</a:t>
+            </a:r>
+          </a:p>
+          <a:p>
+            <a:r>
+              <a:rPr lang="en-US" dirty="0"/>
+              <a:t>&gt;&gt;&gt; </a:t>
+            </a:r>
+            <a:r>
+              <a:rPr lang="en-US" dirty="0" err="1"/>
+              <a:t>lhr</a:t>
+            </a:r>
+            <a:r>
+              <a:rPr lang="en-US" dirty="0"/>
+              <a:t>=Airport(code="LHR", city= "New York")</a:t>
+            </a:r>
+          </a:p>
+          <a:p>
+            <a:r>
+              <a:rPr lang="en-US" dirty="0"/>
+              <a:t>&gt;&gt;&gt; </a:t>
+            </a:r>
+            <a:r>
+              <a:rPr lang="en-US" dirty="0" err="1"/>
+              <a:t>lhr.save</a:t>
+            </a:r>
+            <a:r>
+              <a:rPr lang="en-US" dirty="0"/>
+              <a:t>()</a:t>
+            </a:r>
+          </a:p>
+          <a:p>
+            <a:r>
+              <a:rPr lang="en-US" dirty="0"/>
+              <a:t>&gt;&gt;&gt; </a:t>
+            </a:r>
+            <a:r>
+              <a:rPr lang="en-US" dirty="0" err="1"/>
+              <a:t>lhr</a:t>
+            </a:r>
+            <a:r>
+              <a:rPr lang="en-US" dirty="0"/>
+              <a:t>=Airport(code="LHR", city= "London")</a:t>
+            </a:r>
+          </a:p>
+          <a:p>
+            <a:r>
+              <a:rPr lang="en-US" dirty="0"/>
+              <a:t>&gt;&gt;&gt; </a:t>
+            </a:r>
+            <a:r>
+              <a:rPr lang="en-US" dirty="0" err="1"/>
+              <a:t>lhr.save</a:t>
+            </a:r>
+            <a:r>
+              <a:rPr lang="en-US" dirty="0"/>
+              <a:t>()</a:t>
+            </a:r>
+          </a:p>
+          <a:p>
+            <a:r>
+              <a:rPr lang="en-US" dirty="0"/>
+              <a:t>&gt;&gt;&gt; </a:t>
+            </a:r>
+            <a:r>
+              <a:rPr lang="en-US" dirty="0" err="1"/>
+              <a:t>cdg</a:t>
+            </a:r>
+            <a:r>
+              <a:rPr lang="en-US" dirty="0"/>
+              <a:t>=Airport(code="CDG", city= "Paris")</a:t>
+            </a:r>
+          </a:p>
+          <a:p>
+            <a:r>
+              <a:rPr lang="en-US" dirty="0"/>
+              <a:t>&gt;&gt;&gt; </a:t>
+            </a:r>
+            <a:r>
+              <a:rPr lang="en-US" dirty="0" err="1"/>
+              <a:t>cdg.save</a:t>
+            </a:r>
+            <a:r>
+              <a:rPr lang="en-US" dirty="0"/>
+              <a:t>()</a:t>
+            </a:r>
+          </a:p>
+          <a:p>
+            <a:r>
+              <a:rPr lang="en-US" dirty="0"/>
+              <a:t>&gt;&gt;&gt; </a:t>
+            </a:r>
+            <a:r>
+              <a:rPr lang="en-US" dirty="0" err="1"/>
+              <a:t>nrt</a:t>
+            </a:r>
+            <a:r>
+              <a:rPr lang="en-US" dirty="0"/>
+              <a:t>=Airport(code="NRT", city= "Tokyo")</a:t>
+            </a:r>
+          </a:p>
+          <a:p>
+            <a:r>
+              <a:rPr lang="en-US" dirty="0"/>
+              <a:t>&gt;&gt;&gt; </a:t>
+            </a:r>
+            <a:r>
+              <a:rPr lang="en-US" dirty="0" err="1"/>
+              <a:t>nrt.save</a:t>
+            </a:r>
+            <a:r>
+              <a:rPr lang="en-US" dirty="0"/>
+              <a:t>()</a:t>
+            </a:r>
+          </a:p>
+          <a:p>
+            <a:r>
+              <a:rPr lang="en-US" dirty="0"/>
+              <a:t>&gt;&gt;&gt; f=Flight(</a:t>
+            </a:r>
+            <a:r>
+              <a:rPr lang="en-US" dirty="0" err="1"/>
+              <a:t>orgin</a:t>
+            </a:r>
+            <a:r>
+              <a:rPr lang="en-US" dirty="0"/>
+              <a:t>=</a:t>
+            </a:r>
+            <a:r>
+              <a:rPr lang="en-US" dirty="0" err="1"/>
+              <a:t>jfk,destination</a:t>
+            </a:r>
+            <a:r>
+              <a:rPr lang="en-US" dirty="0"/>
+              <a:t>=</a:t>
+            </a:r>
+            <a:r>
+              <a:rPr lang="en-US" dirty="0" err="1"/>
+              <a:t>lhr,dutration</a:t>
+            </a:r>
+            <a:r>
+              <a:rPr lang="en-US" dirty="0"/>
+              <a:t>=415)</a:t>
+            </a:r>
+          </a:p>
+          <a:p>
+            <a:r>
+              <a:rPr lang="en-US" dirty="0" err="1"/>
+              <a:t>Traceback</a:t>
+            </a:r>
+            <a:r>
+              <a:rPr lang="en-US" dirty="0"/>
+              <a:t> (most recent call last):</a:t>
+            </a:r>
+          </a:p>
+          <a:p>
+            <a:r>
+              <a:rPr lang="en-US" dirty="0"/>
+              <a:t>  File "&lt;console&gt;", line 1, in &lt;module&gt;</a:t>
+            </a:r>
+          </a:p>
+          <a:p>
+            <a:r>
+              <a:rPr lang="en-US" dirty="0"/>
+              <a:t>  File "C:\Users\John_Mobile\AppData\Roaming\Python\Python313\site-packages\django\db\models\base.py", line 569, in __</a:t>
+            </a:r>
+            <a:r>
+              <a:rPr lang="en-US" dirty="0" err="1"/>
+              <a:t>init</a:t>
+            </a:r>
+            <a:r>
+              <a:rPr lang="en-US" dirty="0"/>
+              <a:t>__</a:t>
+            </a:r>
+          </a:p>
+          <a:p>
+            <a:r>
+              <a:rPr lang="en-US" dirty="0"/>
+              <a:t>    raise </a:t>
+            </a:r>
+            <a:r>
+              <a:rPr lang="en-US" dirty="0" err="1"/>
+              <a:t>TypeError</a:t>
+            </a:r>
+            <a:r>
+              <a:rPr lang="en-US" dirty="0"/>
+              <a:t>(</a:t>
+            </a:r>
+          </a:p>
+          <a:p>
+            <a:r>
+              <a:rPr lang="en-US" dirty="0"/>
+              <a:t>    ...&lt;2 lines&gt;...</a:t>
+            </a:r>
+          </a:p>
+          <a:p>
+            <a:r>
+              <a:rPr lang="en-US" dirty="0"/>
+              <a:t>    </a:t>
+            </a:r>
+            <a:r>
+              <a:rPr lang="en-US" dirty="0" smtClean="0"/>
+              <a:t>)</a:t>
+            </a:r>
+            <a:endParaRPr lang="en-US" dirty="0"/>
+          </a:p>
+        </p:txBody>
+      </p:sp>
+    </p:spTree>
+    <p:extLst>
+      <p:ext uri="{BB962C8B-B14F-4D97-AF65-F5344CB8AC3E}">
+        <p14:creationId xmlns:p14="http://schemas.microsoft.com/office/powerpoint/2010/main" val="2324342257"/>
+      </p:ext>
+    </p:extLst>
+  </p:cSld>
+  <p:clrMapOvr>
+    <a:masterClrMapping/>
+  </p:clrMapOvr>
+</p:sld>
+</file>
+
+<file path=ppt/slides/slide5.xml><?xml version="1.0" encoding="utf-8"?>
+<p:sld xmlns:a="http://schemas.openxmlformats.org/drawingml/2006/main" xmlns:r="http://schemas.openxmlformats.org/officeDocument/2006/relationships" xmlns:p="http://schemas.openxmlformats.org/presentationml/2006/main">
+  <p:cSld>
+    <p:spTree>
+      <p:nvGrpSpPr>
+        <p:cNvPr id="1" name=""/>
+        <p:cNvGrpSpPr/>
+        <p:nvPr/>
+      </p:nvGrpSpPr>
+      <p:grpSpPr>
+        <a:xfrm>
+          <a:off x="0" y="0"/>
+          <a:ext cx="0" cy="0"/>
+          <a:chOff x="0" y="0"/>
+          <a:chExt cx="0" cy="0"/>
+        </a:xfrm>
+      </p:grpSpPr>
+      <p:sp>
+        <p:nvSpPr>
+          <p:cNvPr id="2" name="Title 1"/>
+          <p:cNvSpPr>
+            <a:spLocks noGrp="1"/>
+          </p:cNvSpPr>
+          <p:nvPr>
+            <p:ph type="title"/>
+          </p:nvPr>
+        </p:nvSpPr>
+        <p:spPr/>
+        <p:txBody>
+          <a:bodyPr/>
+          <a:lstStyle/>
+          <a:p>
+            <a:endParaRPr lang="en-US"/>
+          </a:p>
+        </p:txBody>
+      </p:sp>
+      <p:sp>
+        <p:nvSpPr>
+          <p:cNvPr id="3" name="Content Placeholder 2"/>
+          <p:cNvSpPr>
+            <a:spLocks noGrp="1"/>
+          </p:cNvSpPr>
+          <p:nvPr>
+            <p:ph idx="1"/>
+          </p:nvPr>
+        </p:nvSpPr>
+        <p:spPr/>
+        <p:txBody>
+          <a:bodyPr>
+            <a:normAutofit fontScale="25000" lnSpcReduction="20000"/>
+          </a:bodyPr>
+          <a:lstStyle/>
+          <a:p>
+            <a:r>
+              <a:rPr lang="en-US" dirty="0" err="1"/>
+              <a:t>TypeError</a:t>
+            </a:r>
+            <a:r>
+              <a:rPr lang="en-US" dirty="0"/>
+              <a:t>: Flight() got unexpected keyword arguments: '</a:t>
+            </a:r>
+            <a:r>
+              <a:rPr lang="en-US" dirty="0" err="1"/>
+              <a:t>dutration</a:t>
+            </a:r>
+            <a:r>
+              <a:rPr lang="en-US" dirty="0"/>
+              <a:t>'</a:t>
+            </a:r>
+          </a:p>
+          <a:p>
+            <a:r>
+              <a:rPr lang="en-US" dirty="0"/>
+              <a:t>&gt;&gt;&gt; f=Flight(</a:t>
+            </a:r>
+            <a:r>
+              <a:rPr lang="en-US" dirty="0" err="1"/>
+              <a:t>orgin</a:t>
+            </a:r>
+            <a:r>
+              <a:rPr lang="en-US" dirty="0"/>
+              <a:t>=</a:t>
+            </a:r>
+            <a:r>
+              <a:rPr lang="en-US" dirty="0" err="1"/>
+              <a:t>jfk,destination</a:t>
+            </a:r>
+            <a:r>
+              <a:rPr lang="en-US" dirty="0"/>
+              <a:t>=</a:t>
+            </a:r>
+            <a:r>
+              <a:rPr lang="en-US" dirty="0" err="1"/>
+              <a:t>lhr,duration</a:t>
+            </a:r>
+            <a:r>
+              <a:rPr lang="en-US" dirty="0"/>
+              <a:t>=415)</a:t>
+            </a:r>
+          </a:p>
+          <a:p>
+            <a:r>
+              <a:rPr lang="en-US" dirty="0"/>
+              <a:t>&gt;&gt;&gt; </a:t>
+            </a:r>
+            <a:r>
+              <a:rPr lang="en-US" dirty="0" err="1"/>
+              <a:t>f.save</a:t>
+            </a:r>
+            <a:r>
+              <a:rPr lang="en-US" dirty="0"/>
+              <a:t>()</a:t>
+            </a:r>
+          </a:p>
+          <a:p>
+            <a:r>
+              <a:rPr lang="en-US" dirty="0"/>
+              <a:t>&gt;&gt;&gt; f</a:t>
+            </a:r>
+          </a:p>
+          <a:p>
+            <a:r>
+              <a:rPr lang="en-US" dirty="0"/>
+              <a:t>&lt;Flight: 1: New York (JFK) to London (LHR)&gt;</a:t>
+            </a:r>
+          </a:p>
+          <a:p>
+            <a:r>
+              <a:rPr lang="en-US" dirty="0"/>
+              <a:t>&gt;&gt;&gt; </a:t>
+            </a:r>
+            <a:r>
+              <a:rPr lang="en-US" dirty="0" err="1"/>
+              <a:t>f.orgin</a:t>
+            </a:r>
+            <a:endParaRPr lang="en-US" dirty="0"/>
+          </a:p>
+          <a:p>
+            <a:r>
+              <a:rPr lang="en-US" dirty="0"/>
+              <a:t>&lt;Airport: New York (JFK)&gt;</a:t>
+            </a:r>
+          </a:p>
+          <a:p>
+            <a:r>
+              <a:rPr lang="en-US" dirty="0"/>
+              <a:t>&gt;&gt;&gt; </a:t>
+            </a:r>
+            <a:r>
+              <a:rPr lang="en-US" dirty="0" err="1"/>
+              <a:t>f.destination</a:t>
+            </a:r>
+            <a:endParaRPr lang="en-US" dirty="0"/>
+          </a:p>
+          <a:p>
+            <a:r>
+              <a:rPr lang="en-US" dirty="0"/>
+              <a:t>&lt;Airport: London (LHR)&gt;</a:t>
+            </a:r>
+          </a:p>
+          <a:p>
+            <a:r>
+              <a:rPr lang="en-US" dirty="0"/>
+              <a:t>&gt;&gt;&gt; </a:t>
+            </a:r>
+            <a:r>
+              <a:rPr lang="en-US" dirty="0" err="1"/>
+              <a:t>f.arrivals</a:t>
+            </a:r>
+            <a:endParaRPr lang="en-US" dirty="0"/>
+          </a:p>
+          <a:p>
+            <a:r>
+              <a:rPr lang="en-US" dirty="0" err="1"/>
+              <a:t>Traceback</a:t>
+            </a:r>
+            <a:r>
+              <a:rPr lang="en-US" dirty="0"/>
+              <a:t> (most recent call last):</a:t>
+            </a:r>
+          </a:p>
+          <a:p>
+            <a:r>
+              <a:rPr lang="en-US" dirty="0"/>
+              <a:t>  File "&lt;console&gt;", line 1, in &lt;module&gt;</a:t>
+            </a:r>
+          </a:p>
+          <a:p>
+            <a:r>
+              <a:rPr lang="en-US" dirty="0" err="1"/>
+              <a:t>AttributeError</a:t>
+            </a:r>
+            <a:r>
+              <a:rPr lang="en-US" dirty="0"/>
+              <a:t>: 'Flight' object has no attribute 'arrivals'</a:t>
+            </a:r>
+          </a:p>
+          <a:p>
+            <a:r>
+              <a:rPr lang="en-US" dirty="0"/>
+              <a:t>&gt;&gt;&gt; </a:t>
+            </a:r>
+            <a:r>
+              <a:rPr lang="en-US" dirty="0" err="1"/>
+              <a:t>lhr.orgin</a:t>
+            </a:r>
+            <a:endParaRPr lang="en-US" dirty="0"/>
+          </a:p>
+          <a:p>
+            <a:r>
+              <a:rPr lang="en-US" dirty="0" err="1"/>
+              <a:t>Traceback</a:t>
+            </a:r>
+            <a:r>
+              <a:rPr lang="en-US" dirty="0"/>
+              <a:t> (most recent call last):</a:t>
+            </a:r>
+          </a:p>
+          <a:p>
+            <a:r>
+              <a:rPr lang="en-US" dirty="0"/>
+              <a:t>  File "&lt;console&gt;", line 1, in &lt;module&gt;</a:t>
+            </a:r>
+          </a:p>
+          <a:p>
+            <a:r>
+              <a:rPr lang="en-US" dirty="0" err="1"/>
+              <a:t>AttributeError</a:t>
+            </a:r>
+            <a:r>
+              <a:rPr lang="en-US" dirty="0"/>
+              <a:t>: 'Airport' object has no attribute '</a:t>
+            </a:r>
+            <a:r>
+              <a:rPr lang="en-US" dirty="0" err="1"/>
+              <a:t>orgin</a:t>
+            </a:r>
+            <a:r>
+              <a:rPr lang="en-US" dirty="0"/>
+              <a:t>'</a:t>
+            </a:r>
+          </a:p>
+          <a:p>
+            <a:r>
+              <a:rPr lang="en-US" dirty="0"/>
+              <a:t>&gt;&gt;&gt; </a:t>
+            </a:r>
+            <a:r>
+              <a:rPr lang="en-US" dirty="0" err="1"/>
+              <a:t>lhr.arrivals.all</a:t>
+            </a:r>
+            <a:r>
+              <a:rPr lang="en-US" dirty="0"/>
+              <a:t>()</a:t>
+            </a:r>
+          </a:p>
+          <a:p>
+            <a:r>
+              <a:rPr lang="en-US" dirty="0"/>
+              <a:t>&lt;</a:t>
+            </a:r>
+            <a:r>
+              <a:rPr lang="en-US" dirty="0" err="1"/>
+              <a:t>QuerySet</a:t>
+            </a:r>
+            <a:r>
+              <a:rPr lang="en-US" dirty="0"/>
+              <a:t> [&lt;Flight: 1: New York (JFK) to London (LHR)&gt;]&gt;</a:t>
+            </a:r>
+          </a:p>
+          <a:p>
+            <a:r>
+              <a:rPr lang="en-US" dirty="0"/>
+              <a:t>&gt;&gt;&gt;</a:t>
+            </a:r>
+          </a:p>
+          <a:p>
+            <a:endParaRPr lang="en-US" dirty="0"/>
+          </a:p>
+        </p:txBody>
+      </p:sp>
+    </p:spTree>
+    <p:extLst>
+      <p:ext uri="{BB962C8B-B14F-4D97-AF65-F5344CB8AC3E}">
+        <p14:creationId xmlns:p14="http://schemas.microsoft.com/office/powerpoint/2010/main" val="4187911805"/>
+      </p:ext>
+    </p:extLst>
+  </p:cSld>
+  <p:clrMapOvr>
+    <a:masterClrMapping/>
+  </p:clrMapOvr>
+</p:sld>
+</file>
+
+<file path=ppt/slides/slide6.xml><?xml version="1.0" encoding="utf-8"?>
+<p:sld xmlns:a="http://schemas.openxmlformats.org/drawingml/2006/main" xmlns:r="http://schemas.openxmlformats.org/officeDocument/2006/relationships" xmlns:p="http://schemas.openxmlformats.org/presentationml/2006/main">
+  <p:cSld>
+    <p:spTree>
+      <p:nvGrpSpPr>
+        <p:cNvPr id="1" name=""/>
+        <p:cNvGrpSpPr/>
+        <p:nvPr/>
+      </p:nvGrpSpPr>
+      <p:grpSpPr>
+        <a:xfrm>
+          <a:off x="0" y="0"/>
+          <a:ext cx="0" cy="0"/>
+          <a:chOff x="0" y="0"/>
+          <a:chExt cx="0" cy="0"/>
+        </a:xfrm>
+      </p:grpSpPr>
+      <p:sp>
+        <p:nvSpPr>
+          <p:cNvPr id="2" name="Title 1"/>
+          <p:cNvSpPr>
+            <a:spLocks noGrp="1"/>
+          </p:cNvSpPr>
+          <p:nvPr>
+            <p:ph type="title"/>
+          </p:nvPr>
+        </p:nvSpPr>
+        <p:spPr/>
+        <p:txBody>
+          <a:bodyPr/>
+          <a:lstStyle/>
+          <a:p>
+            <a:endParaRPr lang="en-US"/>
+          </a:p>
+        </p:txBody>
+      </p:sp>
+      <p:sp>
+        <p:nvSpPr>
+          <p:cNvPr id="3" name="Content Placeholder 2"/>
+          <p:cNvSpPr>
+            <a:spLocks noGrp="1"/>
+          </p:cNvSpPr>
+          <p:nvPr>
+            <p:ph idx="1"/>
+          </p:nvPr>
+        </p:nvSpPr>
+        <p:spPr/>
+        <p:txBody>
+          <a:bodyPr/>
+          <a:lstStyle/>
+          <a:p>
+            <a:r>
+              <a:rPr lang="en-US" dirty="0"/>
+              <a:t>&gt;&gt;&gt; from </a:t>
+            </a:r>
+            <a:r>
+              <a:rPr lang="en-US" dirty="0" err="1"/>
+              <a:t>flights.models</a:t>
+            </a:r>
+            <a:r>
+              <a:rPr lang="en-US" dirty="0"/>
+              <a:t> import *</a:t>
+            </a:r>
+          </a:p>
+          <a:p>
+            <a:r>
+              <a:rPr lang="en-US" dirty="0"/>
+              <a:t>&gt;&gt;&gt; </a:t>
+            </a:r>
+            <a:r>
+              <a:rPr lang="en-US" dirty="0" err="1"/>
+              <a:t>Airport.objects.all</a:t>
+            </a:r>
+            <a:r>
+              <a:rPr lang="en-US" dirty="0"/>
+              <a:t>()</a:t>
+            </a:r>
+          </a:p>
+          <a:p>
+            <a:r>
+              <a:rPr lang="en-US" dirty="0"/>
+              <a:t>&lt;</a:t>
+            </a:r>
+            <a:r>
+              <a:rPr lang="en-US" dirty="0" err="1"/>
+              <a:t>QuerySet</a:t>
+            </a:r>
+            <a:r>
+              <a:rPr lang="en-US" dirty="0"/>
+              <a:t> [&lt;Airport: New York (JFK)&gt;, &lt;Airport: New York (LHR)&gt;, &lt;Airport: London (LHR)&gt;, &lt;Airport: Paris (CDG)&gt;, &lt;Airport: Tokyo (NRT)&gt;]&gt;</a:t>
+            </a:r>
+          </a:p>
+          <a:p>
+            <a:r>
+              <a:rPr lang="en-US" dirty="0"/>
+              <a:t>&gt;&gt;&gt; </a:t>
+            </a:r>
+            <a:r>
+              <a:rPr lang="en-US" dirty="0" err="1"/>
+              <a:t>Airport.objects.filter</a:t>
+            </a:r>
+            <a:r>
+              <a:rPr lang="en-US" dirty="0"/>
+              <a:t>(city="New York"</a:t>
+            </a:r>
+          </a:p>
+        </p:txBody>
+      </p:sp>
+    </p:spTree>
+    <p:extLst>
+      <p:ext uri="{BB962C8B-B14F-4D97-AF65-F5344CB8AC3E}">
+        <p14:creationId xmlns:p14="http://schemas.microsoft.com/office/powerpoint/2010/main" val="2386034727"/>
+      </p:ext>
+    </p:extLst>
+  </p:cSld>
+  <p:clrMapOvr>
+    <a:masterClrMapping/>
+  </p:clrMapOvr>
+</p:sld>
+</file>
+
+<file path=ppt/slides/slide7.xml><?xml version="1.0" encoding="utf-8"?>
+<p:sld xmlns:a="http://schemas.openxmlformats.org/drawingml/2006/main" xmlns:r="http://schemas.openxmlformats.org/officeDocument/2006/relationships" xmlns:p="http://schemas.openxmlformats.org/presentationml/2006/main">
+  <p:cSld>
+    <p:spTree>
+      <p:nvGrpSpPr>
+        <p:cNvPr id="1" name=""/>
+        <p:cNvGrpSpPr/>
+        <p:nvPr/>
+      </p:nvGrpSpPr>
+      <p:grpSpPr>
+        <a:xfrm>
+          <a:off x="0" y="0"/>
+          <a:ext cx="0" cy="0"/>
+          <a:chOff x="0" y="0"/>
+          <a:chExt cx="0" cy="0"/>
+        </a:xfrm>
+      </p:grpSpPr>
+      <p:sp>
+        <p:nvSpPr>
+          <p:cNvPr id="2" name="Title 1"/>
+          <p:cNvSpPr>
+            <a:spLocks noGrp="1"/>
+          </p:cNvSpPr>
+          <p:nvPr>
+            <p:ph type="title"/>
+          </p:nvPr>
+        </p:nvSpPr>
+        <p:spPr/>
+        <p:txBody>
+          <a:bodyPr/>
+          <a:lstStyle/>
+          <a:p>
+            <a:endParaRPr lang="en-US"/>
+          </a:p>
+        </p:txBody>
+      </p:sp>
+      <p:sp>
+        <p:nvSpPr>
+          <p:cNvPr id="3" name="Content Placeholder 2"/>
+          <p:cNvSpPr>
+            <a:spLocks noGrp="1"/>
+          </p:cNvSpPr>
+          <p:nvPr>
+            <p:ph idx="1"/>
+          </p:nvPr>
+        </p:nvSpPr>
+        <p:spPr/>
+        <p:txBody>
+          <a:bodyPr/>
+          <a:lstStyle/>
+          <a:p>
+            <a:r>
+              <a:rPr lang="en-US" dirty="0" err="1"/>
+              <a:t>Airport.objects.get</a:t>
+            </a:r>
+            <a:r>
+              <a:rPr lang="en-US" dirty="0"/>
+              <a:t>(city="London")</a:t>
+            </a:r>
+          </a:p>
+          <a:p>
+            <a:r>
+              <a:rPr lang="en-US" dirty="0"/>
+              <a:t>&lt;Airport: London (LHR)&gt;</a:t>
+            </a:r>
+          </a:p>
+          <a:p>
+            <a:r>
+              <a:rPr lang="en-US" dirty="0"/>
+              <a:t>&gt;&gt;&gt; </a:t>
+            </a:r>
+            <a:r>
+              <a:rPr lang="en-US" dirty="0" err="1"/>
+              <a:t>cdg</a:t>
+            </a:r>
+            <a:r>
+              <a:rPr lang="en-US" dirty="0"/>
+              <a:t>=</a:t>
+            </a:r>
+            <a:r>
+              <a:rPr lang="en-US" dirty="0" err="1"/>
+              <a:t>Airport.objects.get</a:t>
+            </a:r>
+            <a:r>
+              <a:rPr lang="en-US" dirty="0"/>
+              <a:t>(city="</a:t>
+            </a:r>
+            <a:r>
+              <a:rPr lang="en-US" dirty="0" err="1"/>
+              <a:t>paris</a:t>
+            </a:r>
+            <a:r>
+              <a:rPr lang="en-US" dirty="0"/>
+              <a:t>")</a:t>
+            </a:r>
+          </a:p>
+        </p:txBody>
+      </p:sp>
+    </p:spTree>
+    <p:extLst>
+      <p:ext uri="{BB962C8B-B14F-4D97-AF65-F5344CB8AC3E}">
+        <p14:creationId xmlns:p14="http://schemas.microsoft.com/office/powerpoint/2010/main" val="1143699458"/>
+      </p:ext>
+    </p:extLst>
+  </p:cSld>
+  <p:clrMapOvr>
+    <a:masterClrMapping/>
+  </p:clrMapOvr>
+</p:sld>
+</file>
+
+<file path=ppt/slides/slide8.xml><?xml version="1.0" encoding="utf-8"?>
+<p:sld xmlns:a="http://schemas.openxmlformats.org/drawingml/2006/main" xmlns:r="http://schemas.openxmlformats.org/officeDocument/2006/relationships" xmlns:p="http://schemas.openxmlformats.org/presentationml/2006/main">
+  <p:cSld>
+    <p:spTree>
+      <p:nvGrpSpPr>
+        <p:cNvPr id="1" name=""/>
+        <p:cNvGrpSpPr/>
+        <p:nvPr/>
+      </p:nvGrpSpPr>
+      <p:grpSpPr>
+        <a:xfrm>
+          <a:off x="0" y="0"/>
+          <a:ext cx="0" cy="0"/>
+          <a:chOff x="0" y="0"/>
+          <a:chExt cx="0" cy="0"/>
+        </a:xfrm>
+      </p:grpSpPr>
+      <p:sp>
+        <p:nvSpPr>
+          <p:cNvPr id="2" name="Title 1"/>
+          <p:cNvSpPr>
+            <a:spLocks noGrp="1"/>
+          </p:cNvSpPr>
+          <p:nvPr>
+            <p:ph type="title"/>
+          </p:nvPr>
+        </p:nvSpPr>
+        <p:spPr/>
+        <p:txBody>
+          <a:bodyPr/>
+          <a:lstStyle/>
+          <a:p>
+            <a:endParaRPr lang="en-US"/>
+          </a:p>
+        </p:txBody>
+      </p:sp>
+      <p:sp>
+        <p:nvSpPr>
+          <p:cNvPr id="3" name="Content Placeholder 2"/>
+          <p:cNvSpPr>
+            <a:spLocks noGrp="1"/>
+          </p:cNvSpPr>
+          <p:nvPr>
+            <p:ph idx="1"/>
+          </p:nvPr>
+        </p:nvSpPr>
+        <p:spPr/>
+        <p:txBody>
+          <a:bodyPr>
+            <a:normAutofit fontScale="62500" lnSpcReduction="20000"/>
+          </a:bodyPr>
+          <a:lstStyle/>
+          <a:p>
+            <a:r>
+              <a:rPr lang="en-US" dirty="0"/>
+              <a:t>&gt;&gt;&gt; </a:t>
+            </a:r>
+            <a:r>
+              <a:rPr lang="en-US" dirty="0" err="1"/>
+              <a:t>cdg</a:t>
+            </a:r>
+            <a:r>
+              <a:rPr lang="en-US" dirty="0"/>
+              <a:t>=</a:t>
+            </a:r>
+            <a:r>
+              <a:rPr lang="en-US" dirty="0" err="1"/>
+              <a:t>Airport.objects.get</a:t>
+            </a:r>
+            <a:r>
+              <a:rPr lang="en-US" dirty="0"/>
+              <a:t>(city="Paris")</a:t>
+            </a:r>
+          </a:p>
+          <a:p>
+            <a:r>
+              <a:rPr lang="en-US" dirty="0"/>
+              <a:t>&gt;&gt;&gt; </a:t>
+            </a:r>
+            <a:r>
+              <a:rPr lang="en-US" dirty="0" err="1"/>
+              <a:t>cdg</a:t>
+            </a:r>
+            <a:endParaRPr lang="en-US" dirty="0"/>
+          </a:p>
+          <a:p>
+            <a:r>
+              <a:rPr lang="en-US" dirty="0"/>
+              <a:t>&lt;Airport: Paris (CDG)&gt;</a:t>
+            </a:r>
+          </a:p>
+          <a:p>
+            <a:r>
+              <a:rPr lang="en-US" dirty="0"/>
+              <a:t>&gt;&gt;&gt; f=Flight(</a:t>
+            </a:r>
+            <a:r>
+              <a:rPr lang="en-US" dirty="0" err="1"/>
+              <a:t>orgin</a:t>
+            </a:r>
+            <a:r>
+              <a:rPr lang="en-US" dirty="0"/>
+              <a:t>=</a:t>
+            </a:r>
+            <a:r>
+              <a:rPr lang="en-US" dirty="0" err="1"/>
+              <a:t>jfk,destination</a:t>
+            </a:r>
+            <a:r>
+              <a:rPr lang="en-US" dirty="0"/>
+              <a:t>=</a:t>
+            </a:r>
+            <a:r>
+              <a:rPr lang="en-US" dirty="0" err="1"/>
+              <a:t>cdg,duration</a:t>
+            </a:r>
+            <a:r>
+              <a:rPr lang="en-US" dirty="0"/>
+              <a:t>=440)</a:t>
+            </a:r>
+          </a:p>
+          <a:p>
+            <a:r>
+              <a:rPr lang="en-US" dirty="0" err="1"/>
+              <a:t>Traceback</a:t>
+            </a:r>
+            <a:r>
+              <a:rPr lang="en-US" dirty="0"/>
+              <a:t> (most recent call last):</a:t>
+            </a:r>
+          </a:p>
+          <a:p>
+            <a:r>
+              <a:rPr lang="en-US" dirty="0"/>
+              <a:t>  File "&lt;console&gt;", line 1, in &lt;module&gt;</a:t>
+            </a:r>
+          </a:p>
+          <a:p>
+            <a:r>
+              <a:rPr lang="en-US" dirty="0" err="1"/>
+              <a:t>NameError</a:t>
+            </a:r>
+            <a:r>
+              <a:rPr lang="en-US" dirty="0"/>
+              <a:t>: name '</a:t>
+            </a:r>
+            <a:r>
+              <a:rPr lang="en-US" dirty="0" err="1"/>
+              <a:t>jfk</a:t>
+            </a:r>
+            <a:r>
+              <a:rPr lang="en-US" dirty="0"/>
+              <a:t>' is not defined</a:t>
+            </a:r>
+          </a:p>
+          <a:p>
+            <a:r>
+              <a:rPr lang="en-US" dirty="0"/>
+              <a:t>&gt;&gt;&gt; </a:t>
+            </a:r>
+            <a:r>
+              <a:rPr lang="en-US" dirty="0" err="1"/>
+              <a:t>jfk</a:t>
+            </a:r>
+            <a:r>
+              <a:rPr lang="en-US" dirty="0"/>
+              <a:t>=</a:t>
+            </a:r>
+            <a:r>
+              <a:rPr lang="en-US" dirty="0" err="1"/>
+              <a:t>Airport.objects.get</a:t>
+            </a:r>
+            <a:r>
+              <a:rPr lang="en-US" dirty="0"/>
+              <a:t>(city="London")</a:t>
+            </a:r>
+          </a:p>
+          <a:p>
+            <a:r>
+              <a:rPr lang="en-US" dirty="0"/>
+              <a:t>&gt;&gt;&gt; </a:t>
+            </a:r>
+            <a:r>
+              <a:rPr lang="en-US" dirty="0" err="1"/>
+              <a:t>jfk</a:t>
+            </a:r>
+            <a:endParaRPr lang="en-US" dirty="0"/>
+          </a:p>
+          <a:p>
+            <a:r>
+              <a:rPr lang="en-US" dirty="0"/>
+              <a:t>&lt;Airport: London (LHR)&gt;</a:t>
+            </a:r>
+          </a:p>
+          <a:p>
+            <a:r>
+              <a:rPr lang="en-US" dirty="0"/>
+              <a:t>&gt;&gt;&gt; f=Flight(</a:t>
+            </a:r>
+            <a:r>
+              <a:rPr lang="en-US" dirty="0" err="1"/>
+              <a:t>orgin</a:t>
+            </a:r>
+            <a:r>
+              <a:rPr lang="en-US" dirty="0"/>
+              <a:t>=</a:t>
+            </a:r>
+            <a:r>
+              <a:rPr lang="en-US" dirty="0" err="1"/>
+              <a:t>jfk,destination</a:t>
+            </a:r>
+            <a:r>
+              <a:rPr lang="en-US" dirty="0"/>
+              <a:t>=</a:t>
+            </a:r>
+            <a:r>
+              <a:rPr lang="en-US" dirty="0" err="1"/>
+              <a:t>cdg,duration</a:t>
+            </a:r>
+            <a:r>
+              <a:rPr lang="en-US" dirty="0"/>
+              <a:t>=440)</a:t>
+            </a:r>
+          </a:p>
+          <a:p>
+            <a:r>
+              <a:rPr lang="en-US" dirty="0"/>
+              <a:t>&gt;&gt;&gt; </a:t>
+            </a:r>
+            <a:r>
+              <a:rPr lang="en-US" dirty="0" err="1"/>
+              <a:t>f.save</a:t>
+            </a:r>
+            <a:r>
+              <a:rPr lang="en-US" dirty="0"/>
+              <a:t>()</a:t>
+            </a:r>
+          </a:p>
+          <a:p>
+            <a:r>
+              <a:rPr lang="en-US"/>
+              <a:t>&gt;&gt;&gt;</a:t>
+            </a:r>
+          </a:p>
+        </p:txBody>
+      </p:sp>
+    </p:spTree>
+    <p:extLst>
+      <p:ext uri="{BB962C8B-B14F-4D97-AF65-F5344CB8AC3E}">
+        <p14:creationId xmlns:p14="http://schemas.microsoft.com/office/powerpoint/2010/main" val="2333566005"/>
+      </p:ext>
+    </p:extLst>
+  </p:cSld>
+  <p:clrMapOvr>
+    <a:masterClrMapping/>
+  </p:clrMapOvr>
+</p:sld>
+</file>
+
 <file path=ppt/theme/theme1.xml><?xml version="1.0" encoding="utf-8"?>
 <a:theme xmlns:a="http://schemas.openxmlformats.org/drawingml/2006/main" name="Office Theme">
   <a:themeElements>
